--- a/docs/presentation-g03 (2).pptx
+++ b/docs/presentation-g03 (2).pptx
@@ -211,7 +211,7 @@
             <a:fld id="{3627E41C-9DED-454A-BA86-B1FB0F2E11DD}" type="datetimeFigureOut">
               <a:rPr lang="fr-FR" smtClean="0"/>
               <a:pPr/>
-              <a:t>02/12/2009</a:t>
+              <a:t>03/12/2009</a:t>
             </a:fld>
             <a:endParaRPr lang="fr-FR" dirty="0"/>
           </a:p>
@@ -374,7 +374,7 @@
             <a:fld id="{1A848AD5-F262-4221-8058-E449AA51B277}" type="datetimeFigureOut">
               <a:rPr lang="fr-FR" smtClean="0"/>
               <a:pPr/>
-              <a:t>02/12/2009</a:t>
+              <a:t>03/12/2009</a:t>
             </a:fld>
             <a:endParaRPr lang="fr-FR" dirty="0"/>
           </a:p>
@@ -1154,11 +1154,7 @@
             </a:r>
             <a:r>
               <a:rPr lang="fr-FR" baseline="0" dirty="0" smtClean="0"/>
-              <a:t> s’adapter à toutes types de situation et savoir les </a:t>
-            </a:r>
-            <a:r>
-              <a:rPr lang="fr-FR" baseline="0" dirty="0" smtClean="0"/>
-              <a:t>résoudre et passer d’un </a:t>
+              <a:t> s’adapter à toutes types de situation et savoir les résoudre et passer d’un </a:t>
             </a:r>
             <a:r>
               <a:rPr lang="fr-FR" baseline="0" dirty="0" err="1" smtClean="0"/>
@@ -8873,95 +8869,273 @@
           <a:p>
             <a:pPr lvl="1"/>
             <a:r>
+              <a:rPr lang="fr-FR" b="1" dirty="0" smtClean="0">
+                <a:latin typeface="Calibri" pitchFamily="34" charset="0"/>
+                <a:cs typeface="Calibri" pitchFamily="34" charset="0"/>
+              </a:rPr>
+              <a:t>Rémi</a:t>
+            </a:r>
+            <a:r>
               <a:rPr lang="fr-FR" dirty="0" smtClean="0">
                 <a:latin typeface="Calibri" pitchFamily="34" charset="0"/>
                 <a:cs typeface="Calibri" pitchFamily="34" charset="0"/>
               </a:rPr>
-              <a:t>Rémi « Rising Sun » Auduon</a:t>
+              <a:t> </a:t>
+            </a:r>
+            <a:r>
+              <a:rPr lang="fr-FR" i="1" dirty="0" smtClean="0">
+                <a:solidFill>
+                  <a:schemeClr val="accent2">
+                    <a:lumMod val="75000"/>
+                  </a:schemeClr>
+                </a:solidFill>
+                <a:latin typeface="Calibri" pitchFamily="34" charset="0"/>
+                <a:cs typeface="Calibri" pitchFamily="34" charset="0"/>
+              </a:rPr>
+              <a:t>« Rising Sun </a:t>
+            </a:r>
+            <a:r>
+              <a:rPr lang="fr-FR" b="1" i="1" dirty="0" smtClean="0">
+                <a:solidFill>
+                  <a:schemeClr val="accent2">
+                    <a:lumMod val="75000"/>
+                  </a:schemeClr>
+                </a:solidFill>
+                <a:latin typeface="Calibri" pitchFamily="34" charset="0"/>
+                <a:cs typeface="Calibri" pitchFamily="34" charset="0"/>
+              </a:rPr>
+              <a:t>» </a:t>
+            </a:r>
+            <a:r>
+              <a:rPr lang="fr-FR" b="1" dirty="0" smtClean="0">
+                <a:latin typeface="Calibri" pitchFamily="34" charset="0"/>
+                <a:cs typeface="Calibri" pitchFamily="34" charset="0"/>
+              </a:rPr>
+              <a:t>Auduon</a:t>
             </a:r>
           </a:p>
           <a:p>
             <a:pPr lvl="1"/>
             <a:r>
+              <a:rPr lang="fr-FR" b="1" dirty="0" smtClean="0">
+                <a:latin typeface="Calibri" pitchFamily="34" charset="0"/>
+                <a:cs typeface="Calibri" pitchFamily="34" charset="0"/>
+              </a:rPr>
+              <a:t>Emmanuel</a:t>
+            </a:r>
+            <a:r>
               <a:rPr lang="fr-FR" dirty="0" smtClean="0">
                 <a:latin typeface="Calibri" pitchFamily="34" charset="0"/>
                 <a:cs typeface="Calibri" pitchFamily="34" charset="0"/>
               </a:rPr>
-              <a:t>Emmanuel « Geek Touch » Gaude</a:t>
+              <a:t> </a:t>
+            </a:r>
+            <a:r>
+              <a:rPr lang="fr-FR" i="1" dirty="0" smtClean="0">
+                <a:solidFill>
+                  <a:schemeClr val="accent2">
+                    <a:lumMod val="75000"/>
+                  </a:schemeClr>
+                </a:solidFill>
+                <a:latin typeface="Calibri" pitchFamily="34" charset="0"/>
+                <a:cs typeface="Calibri" pitchFamily="34" charset="0"/>
+              </a:rPr>
+              <a:t>« Geek Touch » </a:t>
+            </a:r>
+            <a:r>
+              <a:rPr lang="fr-FR" b="1" dirty="0" smtClean="0">
+                <a:latin typeface="Calibri" pitchFamily="34" charset="0"/>
+                <a:cs typeface="Calibri" pitchFamily="34" charset="0"/>
+              </a:rPr>
+              <a:t>Gaude</a:t>
             </a:r>
           </a:p>
           <a:p>
             <a:pPr lvl="1"/>
             <a:r>
+              <a:rPr lang="fr-FR" b="1" dirty="0" smtClean="0">
+                <a:latin typeface="Calibri" pitchFamily="34" charset="0"/>
+                <a:cs typeface="Calibri" pitchFamily="34" charset="0"/>
+              </a:rPr>
+              <a:t>Adrian</a:t>
+            </a:r>
+            <a:r>
               <a:rPr lang="fr-FR" dirty="0" smtClean="0">
                 <a:latin typeface="Calibri" pitchFamily="34" charset="0"/>
                 <a:cs typeface="Calibri" pitchFamily="34" charset="0"/>
               </a:rPr>
-              <a:t>Adrian « </a:t>
-            </a:r>
-            <a:r>
-              <a:rPr lang="fr-FR" dirty="0" err="1" smtClean="0">
+              <a:t> </a:t>
+            </a:r>
+            <a:r>
+              <a:rPr lang="fr-FR" i="1" dirty="0" smtClean="0">
+                <a:solidFill>
+                  <a:schemeClr val="accent2">
+                    <a:lumMod val="75000"/>
+                  </a:schemeClr>
+                </a:solidFill>
+                <a:latin typeface="Calibri" pitchFamily="34" charset="0"/>
+                <a:cs typeface="Calibri" pitchFamily="34" charset="0"/>
+              </a:rPr>
+              <a:t>« </a:t>
+            </a:r>
+            <a:r>
+              <a:rPr lang="fr-FR" i="1" dirty="0" err="1" smtClean="0">
+                <a:solidFill>
+                  <a:schemeClr val="accent2">
+                    <a:lumMod val="75000"/>
+                  </a:schemeClr>
+                </a:solidFill>
                 <a:latin typeface="Calibri" pitchFamily="34" charset="0"/>
                 <a:cs typeface="Calibri" pitchFamily="34" charset="0"/>
               </a:rPr>
               <a:t>Two</a:t>
             </a:r>
             <a:r>
+              <a:rPr lang="fr-FR" i="1" dirty="0" smtClean="0">
+                <a:solidFill>
+                  <a:schemeClr val="accent2">
+                    <a:lumMod val="75000"/>
+                  </a:schemeClr>
+                </a:solidFill>
+                <a:latin typeface="Calibri" pitchFamily="34" charset="0"/>
+                <a:cs typeface="Calibri" pitchFamily="34" charset="0"/>
+              </a:rPr>
+              <a:t> Times In </a:t>
+            </a:r>
+            <a:r>
+              <a:rPr lang="fr-FR" i="1" dirty="0" err="1" smtClean="0">
+                <a:solidFill>
+                  <a:schemeClr val="accent2">
+                    <a:lumMod val="75000"/>
+                  </a:schemeClr>
+                </a:solidFill>
+                <a:latin typeface="Calibri" pitchFamily="34" charset="0"/>
+                <a:cs typeface="Calibri" pitchFamily="34" charset="0"/>
+              </a:rPr>
+              <a:t>Better</a:t>
+            </a:r>
+            <a:r>
+              <a:rPr lang="fr-FR" i="1" dirty="0" smtClean="0">
+                <a:solidFill>
+                  <a:schemeClr val="accent2">
+                    <a:lumMod val="75000"/>
+                  </a:schemeClr>
+                </a:solidFill>
+                <a:latin typeface="Calibri" pitchFamily="34" charset="0"/>
+                <a:cs typeface="Calibri" pitchFamily="34" charset="0"/>
+              </a:rPr>
+              <a:t> </a:t>
+            </a:r>
+            <a:r>
+              <a:rPr lang="fr-FR" i="1" dirty="0" err="1" smtClean="0">
+                <a:solidFill>
+                  <a:schemeClr val="accent2">
+                    <a:lumMod val="75000"/>
+                  </a:schemeClr>
+                </a:solidFill>
+                <a:latin typeface="Calibri" pitchFamily="34" charset="0"/>
+                <a:cs typeface="Calibri" pitchFamily="34" charset="0"/>
+              </a:rPr>
+              <a:t>Than</a:t>
+            </a:r>
+            <a:r>
+              <a:rPr lang="fr-FR" i="1" dirty="0" smtClean="0">
+                <a:solidFill>
+                  <a:schemeClr val="accent2">
+                    <a:lumMod val="75000"/>
+                  </a:schemeClr>
+                </a:solidFill>
+                <a:latin typeface="Calibri" pitchFamily="34" charset="0"/>
+                <a:cs typeface="Calibri" pitchFamily="34" charset="0"/>
+              </a:rPr>
+              <a:t> One »</a:t>
+            </a:r>
+            <a:r>
+              <a:rPr lang="fr-FR" i="1" dirty="0" smtClean="0">
+                <a:solidFill>
+                  <a:schemeClr val="accent2">
+                    <a:lumMod val="60000"/>
+                    <a:lumOff val="40000"/>
+                  </a:schemeClr>
+                </a:solidFill>
+                <a:latin typeface="Calibri" pitchFamily="34" charset="0"/>
+                <a:cs typeface="Calibri" pitchFamily="34" charset="0"/>
+              </a:rPr>
+              <a:t> </a:t>
+            </a:r>
+            <a:r>
+              <a:rPr lang="fr-FR" b="1" dirty="0" smtClean="0">
+                <a:latin typeface="Calibri" pitchFamily="34" charset="0"/>
+                <a:cs typeface="Calibri" pitchFamily="34" charset="0"/>
+              </a:rPr>
+              <a:t>Gaudebert</a:t>
+            </a:r>
+          </a:p>
+          <a:p>
+            <a:pPr lvl="1"/>
+            <a:r>
+              <a:rPr lang="fr-FR" b="1" dirty="0" smtClean="0">
+                <a:latin typeface="Calibri" pitchFamily="34" charset="0"/>
+                <a:cs typeface="Calibri" pitchFamily="34" charset="0"/>
+              </a:rPr>
+              <a:t>Emmanuel </a:t>
+            </a:r>
+            <a:r>
+              <a:rPr lang="fr-FR" i="1" dirty="0" smtClean="0">
+                <a:solidFill>
+                  <a:schemeClr val="accent2">
+                    <a:lumMod val="75000"/>
+                  </a:schemeClr>
+                </a:solidFill>
+                <a:latin typeface="Calibri" pitchFamily="34" charset="0"/>
+                <a:cs typeface="Calibri" pitchFamily="34" charset="0"/>
+              </a:rPr>
+              <a:t>« The Kid » </a:t>
+            </a:r>
+            <a:r>
+              <a:rPr lang="fr-FR" b="1" dirty="0" smtClean="0">
+                <a:latin typeface="Calibri" pitchFamily="34" charset="0"/>
+                <a:cs typeface="Calibri" pitchFamily="34" charset="0"/>
+              </a:rPr>
+              <a:t>Halter</a:t>
+            </a:r>
+          </a:p>
+          <a:p>
+            <a:pPr lvl="1"/>
+            <a:r>
+              <a:rPr lang="fr-FR" b="1" dirty="0" smtClean="0">
+                <a:latin typeface="Calibri" pitchFamily="34" charset="0"/>
+                <a:cs typeface="Calibri" pitchFamily="34" charset="0"/>
+              </a:rPr>
+              <a:t>Mamy</a:t>
+            </a:r>
+            <a:r>
               <a:rPr lang="fr-FR" dirty="0" smtClean="0">
                 <a:latin typeface="Calibri" pitchFamily="34" charset="0"/>
                 <a:cs typeface="Calibri" pitchFamily="34" charset="0"/>
               </a:rPr>
-              <a:t> Times In </a:t>
-            </a:r>
-            <a:r>
-              <a:rPr lang="fr-FR" dirty="0" err="1" smtClean="0">
-                <a:latin typeface="Calibri" pitchFamily="34" charset="0"/>
-                <a:cs typeface="Calibri" pitchFamily="34" charset="0"/>
-              </a:rPr>
-              <a:t>Better</a:t>
-            </a:r>
-            <a:r>
-              <a:rPr lang="fr-FR" dirty="0" smtClean="0">
-                <a:latin typeface="Calibri" pitchFamily="34" charset="0"/>
-                <a:cs typeface="Calibri" pitchFamily="34" charset="0"/>
-              </a:rPr>
               <a:t> </a:t>
             </a:r>
             <a:r>
-              <a:rPr lang="fr-FR" dirty="0" err="1" smtClean="0">
-                <a:latin typeface="Calibri" pitchFamily="34" charset="0"/>
-                <a:cs typeface="Calibri" pitchFamily="34" charset="0"/>
-              </a:rPr>
-              <a:t>Than</a:t>
-            </a:r>
-            <a:r>
-              <a:rPr lang="fr-FR" dirty="0" smtClean="0">
-                <a:latin typeface="Calibri" pitchFamily="34" charset="0"/>
-                <a:cs typeface="Calibri" pitchFamily="34" charset="0"/>
-              </a:rPr>
-              <a:t> One » Gaudebert</a:t>
-            </a:r>
-          </a:p>
-          <a:p>
-            <a:pPr lvl="1"/>
-            <a:r>
-              <a:rPr lang="fr-FR" dirty="0" smtClean="0">
-                <a:latin typeface="Calibri" pitchFamily="34" charset="0"/>
-                <a:cs typeface="Calibri" pitchFamily="34" charset="0"/>
-              </a:rPr>
-              <a:t>Emmanuel « The Kid » Halter</a:t>
-            </a:r>
-          </a:p>
-          <a:p>
-            <a:pPr lvl="1"/>
-            <a:r>
-              <a:rPr lang="fr-FR" dirty="0" smtClean="0">
-                <a:latin typeface="Calibri" pitchFamily="34" charset="0"/>
-                <a:cs typeface="Calibri" pitchFamily="34" charset="0"/>
-              </a:rPr>
-              <a:t>Mamy « Dying from starvation » Raminosoa</a:t>
-            </a:r>
-            <a:endParaRPr lang="fr-FR" dirty="0">
+              <a:rPr lang="fr-FR" i="1" dirty="0" smtClean="0">
+                <a:solidFill>
+                  <a:schemeClr val="accent2">
+                    <a:lumMod val="75000"/>
+                  </a:schemeClr>
+                </a:solidFill>
+                <a:latin typeface="Calibri" pitchFamily="34" charset="0"/>
+                <a:cs typeface="Calibri" pitchFamily="34" charset="0"/>
+              </a:rPr>
+              <a:t>« Dying from starvation » </a:t>
+            </a:r>
+            <a:r>
+              <a:rPr lang="fr-FR" b="1" dirty="0" smtClean="0">
+                <a:latin typeface="Calibri" pitchFamily="34" charset="0"/>
+                <a:cs typeface="Calibri" pitchFamily="34" charset="0"/>
+              </a:rPr>
+              <a:t>Raminosoa</a:t>
+            </a:r>
+            <a:endParaRPr lang="fr-FR" b="1" dirty="0">
               <a:latin typeface="Calibri" pitchFamily="34" charset="0"/>
               <a:cs typeface="Calibri" pitchFamily="34" charset="0"/>
             </a:endParaRPr>
